--- a/ControladorTransito/Trabalho 2.pptx
+++ b/ControladorTransito/Trabalho 2.pptx
@@ -10,6 +10,10 @@
   <p:sldIdLst>
     <p:sldId id="256" r:id="rId6"/>
     <p:sldId id="257" r:id="rId7"/>
+    <p:sldId id="258" r:id="rId8"/>
+    <p:sldId id="259" r:id="rId9"/>
+    <p:sldId id="260" r:id="rId10"/>
+    <p:sldId id="261" r:id="rId11"/>
   </p:sldIdLst>
   <p:sldSz cy="5143500" cx="9144000"/>
   <p:notesSz cx="6858000" cy="9144000"/>
@@ -841,6 +845,402 @@
       <p:sp>
         <p:nvSpPr>
           <p:cNvPr id="58" name="Google Shape;58;g86b710964c_0_0:notes"/>
+          <p:cNvSpPr txBox="1"/>
+          <p:nvPr>
+            <p:ph idx="1" type="body"/>
+          </p:nvPr>
+        </p:nvSpPr>
+        <p:spPr>
+          <a:xfrm>
+            <a:off x="685800" y="4343400"/>
+            <a:ext cx="5486400" cy="4114800"/>
+          </a:xfrm>
+          <a:prstGeom prst="rect">
+            <a:avLst/>
+          </a:prstGeom>
+        </p:spPr>
+        <p:txBody>
+          <a:bodyPr anchorCtr="0" anchor="t" bIns="91425" lIns="91425" spcFirstLastPara="1" rIns="91425" wrap="square" tIns="91425">
+            <a:noAutofit/>
+          </a:bodyPr>
+          <a:lstStyle/>
+          <a:p>
+            <a:pPr indent="0" lvl="0" marL="0" rtl="0" algn="l">
+              <a:spcBef>
+                <a:spcPts val="0"/>
+              </a:spcBef>
+              <a:spcAft>
+                <a:spcPts val="0"/>
+              </a:spcAft>
+              <a:buNone/>
+            </a:pPr>
+            <a:r>
+              <a:t/>
+            </a:r>
+            <a:endParaRPr/>
+          </a:p>
+        </p:txBody>
+      </p:sp>
+    </p:spTree>
+  </p:cSld>
+  <p:clrMapOvr>
+    <a:masterClrMapping/>
+  </p:clrMapOvr>
+</p:notes>
+</file>
+
+<file path=ppt/notesSlides/notesSlide3.xml><?xml version="1.0" encoding="utf-8"?>
+<p:notes xmlns:a="http://schemas.openxmlformats.org/drawingml/2006/main" xmlns:r="http://schemas.openxmlformats.org/officeDocument/2006/relationships" xmlns:mc="http://schemas.openxmlformats.org/markup-compatibility/2006" xmlns:mv="urn:schemas-microsoft-com:mac:vml" xmlns:p="http://schemas.openxmlformats.org/presentationml/2006/main" xmlns:c="http://schemas.openxmlformats.org/drawingml/2006/chart" xmlns:dgm="http://schemas.openxmlformats.org/drawingml/2006/diagram" xmlns:o="urn:schemas-microsoft-com:office:office" xmlns:v="urn:schemas-microsoft-com:vml" xmlns:pvml="urn:schemas-microsoft-com:office:powerpoint" xmlns:com="http://schemas.openxmlformats.org/drawingml/2006/compatibility" xmlns:p14="http://schemas.microsoft.com/office/powerpoint/2010/main" xmlns:p15="http://schemas.microsoft.com/office/powerpoint/2012/main" xmlns:ahyp="http://schemas.microsoft.com/office/drawing/2018/hyperlinkcolor" showMasterPhAnim="0" showMasterSp="0">
+  <p:cSld>
+    <p:spTree>
+      <p:nvGrpSpPr>
+        <p:cNvPr id="63" name="Shape 63"/>
+        <p:cNvGrpSpPr/>
+        <p:nvPr/>
+      </p:nvGrpSpPr>
+      <p:grpSpPr>
+        <a:xfrm>
+          <a:off x="0" y="0"/>
+          <a:ext cx="0" cy="0"/>
+          <a:chOff x="0" y="0"/>
+          <a:chExt cx="0" cy="0"/>
+        </a:xfrm>
+      </p:grpSpPr>
+      <p:sp>
+        <p:nvSpPr>
+          <p:cNvPr id="64" name="Google Shape;64;g8ee3a7e6ca_0_0:notes"/>
+          <p:cNvSpPr/>
+          <p:nvPr>
+            <p:ph idx="2" type="sldImg"/>
+          </p:nvPr>
+        </p:nvSpPr>
+        <p:spPr>
+          <a:xfrm>
+            <a:off x="381300" y="685800"/>
+            <a:ext cx="6096000" cy="3429000"/>
+          </a:xfrm>
+          <a:custGeom>
+            <a:rect b="b" l="l" r="r" t="t"/>
+            <a:pathLst>
+              <a:path extrusionOk="0" h="120000" w="120000">
+                <a:moveTo>
+                  <a:pt x="0" y="0"/>
+                </a:moveTo>
+                <a:lnTo>
+                  <a:pt x="120000" y="0"/>
+                </a:lnTo>
+                <a:lnTo>
+                  <a:pt x="120000" y="120000"/>
+                </a:lnTo>
+                <a:lnTo>
+                  <a:pt x="0" y="120000"/>
+                </a:lnTo>
+                <a:close/>
+              </a:path>
+            </a:pathLst>
+          </a:custGeom>
+        </p:spPr>
+      </p:sp>
+      <p:sp>
+        <p:nvSpPr>
+          <p:cNvPr id="65" name="Google Shape;65;g8ee3a7e6ca_0_0:notes"/>
+          <p:cNvSpPr txBox="1"/>
+          <p:nvPr>
+            <p:ph idx="1" type="body"/>
+          </p:nvPr>
+        </p:nvSpPr>
+        <p:spPr>
+          <a:xfrm>
+            <a:off x="685800" y="4343400"/>
+            <a:ext cx="5486400" cy="4114800"/>
+          </a:xfrm>
+          <a:prstGeom prst="rect">
+            <a:avLst/>
+          </a:prstGeom>
+        </p:spPr>
+        <p:txBody>
+          <a:bodyPr anchorCtr="0" anchor="t" bIns="91425" lIns="91425" spcFirstLastPara="1" rIns="91425" wrap="square" tIns="91425">
+            <a:noAutofit/>
+          </a:bodyPr>
+          <a:lstStyle/>
+          <a:p>
+            <a:pPr indent="0" lvl="0" marL="0" rtl="0" algn="l">
+              <a:spcBef>
+                <a:spcPts val="0"/>
+              </a:spcBef>
+              <a:spcAft>
+                <a:spcPts val="0"/>
+              </a:spcAft>
+              <a:buNone/>
+            </a:pPr>
+            <a:r>
+              <a:t/>
+            </a:r>
+            <a:endParaRPr/>
+          </a:p>
+        </p:txBody>
+      </p:sp>
+    </p:spTree>
+  </p:cSld>
+  <p:clrMapOvr>
+    <a:masterClrMapping/>
+  </p:clrMapOvr>
+</p:notes>
+</file>
+
+<file path=ppt/notesSlides/notesSlide4.xml><?xml version="1.0" encoding="utf-8"?>
+<p:notes xmlns:a="http://schemas.openxmlformats.org/drawingml/2006/main" xmlns:r="http://schemas.openxmlformats.org/officeDocument/2006/relationships" xmlns:mc="http://schemas.openxmlformats.org/markup-compatibility/2006" xmlns:mv="urn:schemas-microsoft-com:mac:vml" xmlns:p="http://schemas.openxmlformats.org/presentationml/2006/main" xmlns:c="http://schemas.openxmlformats.org/drawingml/2006/chart" xmlns:dgm="http://schemas.openxmlformats.org/drawingml/2006/diagram" xmlns:o="urn:schemas-microsoft-com:office:office" xmlns:v="urn:schemas-microsoft-com:vml" xmlns:pvml="urn:schemas-microsoft-com:office:powerpoint" xmlns:com="http://schemas.openxmlformats.org/drawingml/2006/compatibility" xmlns:p14="http://schemas.microsoft.com/office/powerpoint/2010/main" xmlns:p15="http://schemas.microsoft.com/office/powerpoint/2012/main" xmlns:ahyp="http://schemas.microsoft.com/office/drawing/2018/hyperlinkcolor" showMasterPhAnim="0" showMasterSp="0">
+  <p:cSld>
+    <p:spTree>
+      <p:nvGrpSpPr>
+        <p:cNvPr id="70" name="Shape 70"/>
+        <p:cNvGrpSpPr/>
+        <p:nvPr/>
+      </p:nvGrpSpPr>
+      <p:grpSpPr>
+        <a:xfrm>
+          <a:off x="0" y="0"/>
+          <a:ext cx="0" cy="0"/>
+          <a:chOff x="0" y="0"/>
+          <a:chExt cx="0" cy="0"/>
+        </a:xfrm>
+      </p:grpSpPr>
+      <p:sp>
+        <p:nvSpPr>
+          <p:cNvPr id="71" name="Google Shape;71;g8ee3a7e6ca_0_6:notes"/>
+          <p:cNvSpPr/>
+          <p:nvPr>
+            <p:ph idx="2" type="sldImg"/>
+          </p:nvPr>
+        </p:nvSpPr>
+        <p:spPr>
+          <a:xfrm>
+            <a:off x="381300" y="685800"/>
+            <a:ext cx="6096000" cy="3429000"/>
+          </a:xfrm>
+          <a:custGeom>
+            <a:rect b="b" l="l" r="r" t="t"/>
+            <a:pathLst>
+              <a:path extrusionOk="0" h="120000" w="120000">
+                <a:moveTo>
+                  <a:pt x="0" y="0"/>
+                </a:moveTo>
+                <a:lnTo>
+                  <a:pt x="120000" y="0"/>
+                </a:lnTo>
+                <a:lnTo>
+                  <a:pt x="120000" y="120000"/>
+                </a:lnTo>
+                <a:lnTo>
+                  <a:pt x="0" y="120000"/>
+                </a:lnTo>
+                <a:close/>
+              </a:path>
+            </a:pathLst>
+          </a:custGeom>
+        </p:spPr>
+      </p:sp>
+      <p:sp>
+        <p:nvSpPr>
+          <p:cNvPr id="72" name="Google Shape;72;g8ee3a7e6ca_0_6:notes"/>
+          <p:cNvSpPr txBox="1"/>
+          <p:nvPr>
+            <p:ph idx="1" type="body"/>
+          </p:nvPr>
+        </p:nvSpPr>
+        <p:spPr>
+          <a:xfrm>
+            <a:off x="685800" y="4343400"/>
+            <a:ext cx="5486400" cy="4114800"/>
+          </a:xfrm>
+          <a:prstGeom prst="rect">
+            <a:avLst/>
+          </a:prstGeom>
+        </p:spPr>
+        <p:txBody>
+          <a:bodyPr anchorCtr="0" anchor="t" bIns="91425" lIns="91425" spcFirstLastPara="1" rIns="91425" wrap="square" tIns="91425">
+            <a:noAutofit/>
+          </a:bodyPr>
+          <a:lstStyle/>
+          <a:p>
+            <a:pPr indent="0" lvl="0" marL="0" rtl="0" algn="l">
+              <a:spcBef>
+                <a:spcPts val="0"/>
+              </a:spcBef>
+              <a:spcAft>
+                <a:spcPts val="0"/>
+              </a:spcAft>
+              <a:buNone/>
+            </a:pPr>
+            <a:r>
+              <a:t/>
+            </a:r>
+            <a:endParaRPr/>
+          </a:p>
+        </p:txBody>
+      </p:sp>
+    </p:spTree>
+  </p:cSld>
+  <p:clrMapOvr>
+    <a:masterClrMapping/>
+  </p:clrMapOvr>
+</p:notes>
+</file>
+
+<file path=ppt/notesSlides/notesSlide5.xml><?xml version="1.0" encoding="utf-8"?>
+<p:notes xmlns:a="http://schemas.openxmlformats.org/drawingml/2006/main" xmlns:r="http://schemas.openxmlformats.org/officeDocument/2006/relationships" xmlns:mc="http://schemas.openxmlformats.org/markup-compatibility/2006" xmlns:mv="urn:schemas-microsoft-com:mac:vml" xmlns:p="http://schemas.openxmlformats.org/presentationml/2006/main" xmlns:c="http://schemas.openxmlformats.org/drawingml/2006/chart" xmlns:dgm="http://schemas.openxmlformats.org/drawingml/2006/diagram" xmlns:o="urn:schemas-microsoft-com:office:office" xmlns:v="urn:schemas-microsoft-com:vml" xmlns:pvml="urn:schemas-microsoft-com:office:powerpoint" xmlns:com="http://schemas.openxmlformats.org/drawingml/2006/compatibility" xmlns:p14="http://schemas.microsoft.com/office/powerpoint/2010/main" xmlns:p15="http://schemas.microsoft.com/office/powerpoint/2012/main" xmlns:ahyp="http://schemas.microsoft.com/office/drawing/2018/hyperlinkcolor" showMasterPhAnim="0" showMasterSp="0">
+  <p:cSld>
+    <p:spTree>
+      <p:nvGrpSpPr>
+        <p:cNvPr id="77" name="Shape 77"/>
+        <p:cNvGrpSpPr/>
+        <p:nvPr/>
+      </p:nvGrpSpPr>
+      <p:grpSpPr>
+        <a:xfrm>
+          <a:off x="0" y="0"/>
+          <a:ext cx="0" cy="0"/>
+          <a:chOff x="0" y="0"/>
+          <a:chExt cx="0" cy="0"/>
+        </a:xfrm>
+      </p:grpSpPr>
+      <p:sp>
+        <p:nvSpPr>
+          <p:cNvPr id="78" name="Google Shape;78;g8ee3a7e6ca_0_12:notes"/>
+          <p:cNvSpPr/>
+          <p:nvPr>
+            <p:ph idx="2" type="sldImg"/>
+          </p:nvPr>
+        </p:nvSpPr>
+        <p:spPr>
+          <a:xfrm>
+            <a:off x="381300" y="685800"/>
+            <a:ext cx="6096000" cy="3429000"/>
+          </a:xfrm>
+          <a:custGeom>
+            <a:rect b="b" l="l" r="r" t="t"/>
+            <a:pathLst>
+              <a:path extrusionOk="0" h="120000" w="120000">
+                <a:moveTo>
+                  <a:pt x="0" y="0"/>
+                </a:moveTo>
+                <a:lnTo>
+                  <a:pt x="120000" y="0"/>
+                </a:lnTo>
+                <a:lnTo>
+                  <a:pt x="120000" y="120000"/>
+                </a:lnTo>
+                <a:lnTo>
+                  <a:pt x="0" y="120000"/>
+                </a:lnTo>
+                <a:close/>
+              </a:path>
+            </a:pathLst>
+          </a:custGeom>
+        </p:spPr>
+      </p:sp>
+      <p:sp>
+        <p:nvSpPr>
+          <p:cNvPr id="79" name="Google Shape;79;g8ee3a7e6ca_0_12:notes"/>
+          <p:cNvSpPr txBox="1"/>
+          <p:nvPr>
+            <p:ph idx="1" type="body"/>
+          </p:nvPr>
+        </p:nvSpPr>
+        <p:spPr>
+          <a:xfrm>
+            <a:off x="685800" y="4343400"/>
+            <a:ext cx="5486400" cy="4114800"/>
+          </a:xfrm>
+          <a:prstGeom prst="rect">
+            <a:avLst/>
+          </a:prstGeom>
+        </p:spPr>
+        <p:txBody>
+          <a:bodyPr anchorCtr="0" anchor="t" bIns="91425" lIns="91425" spcFirstLastPara="1" rIns="91425" wrap="square" tIns="91425">
+            <a:noAutofit/>
+          </a:bodyPr>
+          <a:lstStyle/>
+          <a:p>
+            <a:pPr indent="0" lvl="0" marL="0" rtl="0" algn="l">
+              <a:spcBef>
+                <a:spcPts val="0"/>
+              </a:spcBef>
+              <a:spcAft>
+                <a:spcPts val="0"/>
+              </a:spcAft>
+              <a:buNone/>
+            </a:pPr>
+            <a:r>
+              <a:t/>
+            </a:r>
+            <a:endParaRPr/>
+          </a:p>
+        </p:txBody>
+      </p:sp>
+    </p:spTree>
+  </p:cSld>
+  <p:clrMapOvr>
+    <a:masterClrMapping/>
+  </p:clrMapOvr>
+</p:notes>
+</file>
+
+<file path=ppt/notesSlides/notesSlide6.xml><?xml version="1.0" encoding="utf-8"?>
+<p:notes xmlns:a="http://schemas.openxmlformats.org/drawingml/2006/main" xmlns:r="http://schemas.openxmlformats.org/officeDocument/2006/relationships" xmlns:mc="http://schemas.openxmlformats.org/markup-compatibility/2006" xmlns:mv="urn:schemas-microsoft-com:mac:vml" xmlns:p="http://schemas.openxmlformats.org/presentationml/2006/main" xmlns:c="http://schemas.openxmlformats.org/drawingml/2006/chart" xmlns:dgm="http://schemas.openxmlformats.org/drawingml/2006/diagram" xmlns:o="urn:schemas-microsoft-com:office:office" xmlns:v="urn:schemas-microsoft-com:vml" xmlns:pvml="urn:schemas-microsoft-com:office:powerpoint" xmlns:com="http://schemas.openxmlformats.org/drawingml/2006/compatibility" xmlns:p14="http://schemas.microsoft.com/office/powerpoint/2010/main" xmlns:p15="http://schemas.microsoft.com/office/powerpoint/2012/main" xmlns:ahyp="http://schemas.microsoft.com/office/drawing/2018/hyperlinkcolor" showMasterPhAnim="0" showMasterSp="0">
+  <p:cSld>
+    <p:spTree>
+      <p:nvGrpSpPr>
+        <p:cNvPr id="84" name="Shape 84"/>
+        <p:cNvGrpSpPr/>
+        <p:nvPr/>
+      </p:nvGrpSpPr>
+      <p:grpSpPr>
+        <a:xfrm>
+          <a:off x="0" y="0"/>
+          <a:ext cx="0" cy="0"/>
+          <a:chOff x="0" y="0"/>
+          <a:chExt cx="0" cy="0"/>
+        </a:xfrm>
+      </p:grpSpPr>
+      <p:sp>
+        <p:nvSpPr>
+          <p:cNvPr id="85" name="Google Shape;85;g8ee3a7e6ca_0_19:notes"/>
+          <p:cNvSpPr/>
+          <p:nvPr>
+            <p:ph idx="2" type="sldImg"/>
+          </p:nvPr>
+        </p:nvSpPr>
+        <p:spPr>
+          <a:xfrm>
+            <a:off x="381300" y="685800"/>
+            <a:ext cx="6096000" cy="3429000"/>
+          </a:xfrm>
+          <a:custGeom>
+            <a:rect b="b" l="l" r="r" t="t"/>
+            <a:pathLst>
+              <a:path extrusionOk="0" h="120000" w="120000">
+                <a:moveTo>
+                  <a:pt x="0" y="0"/>
+                </a:moveTo>
+                <a:lnTo>
+                  <a:pt x="120000" y="0"/>
+                </a:lnTo>
+                <a:lnTo>
+                  <a:pt x="120000" y="120000"/>
+                </a:lnTo>
+                <a:lnTo>
+                  <a:pt x="0" y="120000"/>
+                </a:lnTo>
+                <a:close/>
+              </a:path>
+            </a:pathLst>
+          </a:custGeom>
+        </p:spPr>
+      </p:sp>
+      <p:sp>
+        <p:nvSpPr>
+          <p:cNvPr id="86" name="Google Shape;86;g8ee3a7e6ca_0_19:notes"/>
           <p:cNvSpPr txBox="1"/>
           <p:nvPr>
             <p:ph idx="1" type="body"/>
@@ -5790,6 +6190,530 @@
 </p:sld>
 </file>
 
+<file path=ppt/slides/slide3.xml><?xml version="1.0" encoding="utf-8"?>
+<p:sld xmlns:a="http://schemas.openxmlformats.org/drawingml/2006/main" xmlns:r="http://schemas.openxmlformats.org/officeDocument/2006/relationships" xmlns:mc="http://schemas.openxmlformats.org/markup-compatibility/2006" xmlns:mv="urn:schemas-microsoft-com:mac:vml" xmlns:p="http://schemas.openxmlformats.org/presentationml/2006/main" xmlns:c="http://schemas.openxmlformats.org/drawingml/2006/chart" xmlns:dgm="http://schemas.openxmlformats.org/drawingml/2006/diagram" xmlns:o="urn:schemas-microsoft-com:office:office" xmlns:v="urn:schemas-microsoft-com:vml" xmlns:pvml="urn:schemas-microsoft-com:office:powerpoint" xmlns:com="http://schemas.openxmlformats.org/drawingml/2006/compatibility" xmlns:p14="http://schemas.microsoft.com/office/powerpoint/2010/main" xmlns:p15="http://schemas.microsoft.com/office/powerpoint/2012/main" xmlns:ahyp="http://schemas.microsoft.com/office/drawing/2018/hyperlinkcolor">
+  <p:cSld>
+    <p:spTree>
+      <p:nvGrpSpPr>
+        <p:cNvPr id="66" name="Shape 66"/>
+        <p:cNvGrpSpPr/>
+        <p:nvPr/>
+      </p:nvGrpSpPr>
+      <p:grpSpPr>
+        <a:xfrm>
+          <a:off x="0" y="0"/>
+          <a:ext cx="0" cy="0"/>
+          <a:chOff x="0" y="0"/>
+          <a:chExt cx="0" cy="0"/>
+        </a:xfrm>
+      </p:grpSpPr>
+      <p:sp>
+        <p:nvSpPr>
+          <p:cNvPr id="67" name="Google Shape;67;p15"/>
+          <p:cNvSpPr txBox="1"/>
+          <p:nvPr>
+            <p:ph type="title"/>
+          </p:nvPr>
+        </p:nvSpPr>
+        <p:spPr>
+          <a:xfrm>
+            <a:off x="311700" y="445025"/>
+            <a:ext cx="8520600" cy="572700"/>
+          </a:xfrm>
+          <a:prstGeom prst="rect">
+            <a:avLst/>
+          </a:prstGeom>
+        </p:spPr>
+        <p:txBody>
+          <a:bodyPr anchorCtr="0" anchor="t" bIns="91425" lIns="91425" spcFirstLastPara="1" rIns="91425" wrap="square" tIns="91425">
+            <a:noAutofit/>
+          </a:bodyPr>
+          <a:lstStyle/>
+          <a:p>
+            <a:pPr indent="0" lvl="0" marL="0" rtl="0" algn="l">
+              <a:spcBef>
+                <a:spcPts val="0"/>
+              </a:spcBef>
+              <a:spcAft>
+                <a:spcPts val="0"/>
+              </a:spcAft>
+              <a:buNone/>
+            </a:pPr>
+            <a:r>
+              <a:t/>
+            </a:r>
+            <a:endParaRPr/>
+          </a:p>
+        </p:txBody>
+      </p:sp>
+      <p:sp>
+        <p:nvSpPr>
+          <p:cNvPr id="68" name="Google Shape;68;p15"/>
+          <p:cNvSpPr txBox="1"/>
+          <p:nvPr>
+            <p:ph idx="1" type="body"/>
+          </p:nvPr>
+        </p:nvSpPr>
+        <p:spPr>
+          <a:xfrm>
+            <a:off x="311700" y="1152475"/>
+            <a:ext cx="8520600" cy="3416400"/>
+          </a:xfrm>
+          <a:prstGeom prst="rect">
+            <a:avLst/>
+          </a:prstGeom>
+        </p:spPr>
+        <p:txBody>
+          <a:bodyPr anchorCtr="0" anchor="t" bIns="91425" lIns="91425" spcFirstLastPara="1" rIns="91425" wrap="square" tIns="91425">
+            <a:noAutofit/>
+          </a:bodyPr>
+          <a:lstStyle/>
+          <a:p>
+            <a:pPr indent="0" lvl="0" marL="0" rtl="0" algn="l">
+              <a:spcBef>
+                <a:spcPts val="0"/>
+              </a:spcBef>
+              <a:spcAft>
+                <a:spcPts val="1600"/>
+              </a:spcAft>
+              <a:buNone/>
+            </a:pPr>
+            <a:r>
+              <a:t/>
+            </a:r>
+            <a:endParaRPr/>
+          </a:p>
+        </p:txBody>
+      </p:sp>
+      <p:pic>
+        <p:nvPicPr>
+          <p:cNvPr id="69" name="Google Shape;69;p15"/>
+          <p:cNvPicPr preferRelativeResize="0"/>
+          <p:nvPr/>
+        </p:nvPicPr>
+        <p:blipFill>
+          <a:blip r:embed="rId3">
+            <a:alphaModFix/>
+          </a:blip>
+          <a:stretch>
+            <a:fillRect/>
+          </a:stretch>
+        </p:blipFill>
+        <p:spPr>
+          <a:xfrm>
+            <a:off x="0" y="1255"/>
+            <a:ext cx="9144001" cy="5140990"/>
+          </a:xfrm>
+          <a:prstGeom prst="rect">
+            <a:avLst/>
+          </a:prstGeom>
+          <a:noFill/>
+          <a:ln>
+            <a:noFill/>
+          </a:ln>
+        </p:spPr>
+      </p:pic>
+    </p:spTree>
+  </p:cSld>
+  <p:clrMapOvr>
+    <a:masterClrMapping/>
+  </p:clrMapOvr>
+</p:sld>
+</file>
+
+<file path=ppt/slides/slide4.xml><?xml version="1.0" encoding="utf-8"?>
+<p:sld xmlns:a="http://schemas.openxmlformats.org/drawingml/2006/main" xmlns:r="http://schemas.openxmlformats.org/officeDocument/2006/relationships" xmlns:mc="http://schemas.openxmlformats.org/markup-compatibility/2006" xmlns:mv="urn:schemas-microsoft-com:mac:vml" xmlns:p="http://schemas.openxmlformats.org/presentationml/2006/main" xmlns:c="http://schemas.openxmlformats.org/drawingml/2006/chart" xmlns:dgm="http://schemas.openxmlformats.org/drawingml/2006/diagram" xmlns:o="urn:schemas-microsoft-com:office:office" xmlns:v="urn:schemas-microsoft-com:vml" xmlns:pvml="urn:schemas-microsoft-com:office:powerpoint" xmlns:com="http://schemas.openxmlformats.org/drawingml/2006/compatibility" xmlns:p14="http://schemas.microsoft.com/office/powerpoint/2010/main" xmlns:p15="http://schemas.microsoft.com/office/powerpoint/2012/main" xmlns:ahyp="http://schemas.microsoft.com/office/drawing/2018/hyperlinkcolor">
+  <p:cSld>
+    <p:spTree>
+      <p:nvGrpSpPr>
+        <p:cNvPr id="73" name="Shape 73"/>
+        <p:cNvGrpSpPr/>
+        <p:nvPr/>
+      </p:nvGrpSpPr>
+      <p:grpSpPr>
+        <a:xfrm>
+          <a:off x="0" y="0"/>
+          <a:ext cx="0" cy="0"/>
+          <a:chOff x="0" y="0"/>
+          <a:chExt cx="0" cy="0"/>
+        </a:xfrm>
+      </p:grpSpPr>
+      <p:sp>
+        <p:nvSpPr>
+          <p:cNvPr id="74" name="Google Shape;74;p16"/>
+          <p:cNvSpPr txBox="1"/>
+          <p:nvPr>
+            <p:ph type="title"/>
+          </p:nvPr>
+        </p:nvSpPr>
+        <p:spPr>
+          <a:xfrm>
+            <a:off x="311700" y="445025"/>
+            <a:ext cx="8520600" cy="572700"/>
+          </a:xfrm>
+          <a:prstGeom prst="rect">
+            <a:avLst/>
+          </a:prstGeom>
+        </p:spPr>
+        <p:txBody>
+          <a:bodyPr anchorCtr="0" anchor="t" bIns="91425" lIns="91425" spcFirstLastPara="1" rIns="91425" wrap="square" tIns="91425">
+            <a:noAutofit/>
+          </a:bodyPr>
+          <a:lstStyle/>
+          <a:p>
+            <a:pPr indent="0" lvl="0" marL="0" rtl="0" algn="l">
+              <a:spcBef>
+                <a:spcPts val="0"/>
+              </a:spcBef>
+              <a:spcAft>
+                <a:spcPts val="0"/>
+              </a:spcAft>
+              <a:buNone/>
+            </a:pPr>
+            <a:r>
+              <a:t/>
+            </a:r>
+            <a:endParaRPr/>
+          </a:p>
+        </p:txBody>
+      </p:sp>
+      <p:sp>
+        <p:nvSpPr>
+          <p:cNvPr id="75" name="Google Shape;75;p16"/>
+          <p:cNvSpPr txBox="1"/>
+          <p:nvPr>
+            <p:ph idx="1" type="body"/>
+          </p:nvPr>
+        </p:nvSpPr>
+        <p:spPr>
+          <a:xfrm>
+            <a:off x="311700" y="1152475"/>
+            <a:ext cx="8520600" cy="3416400"/>
+          </a:xfrm>
+          <a:prstGeom prst="rect">
+            <a:avLst/>
+          </a:prstGeom>
+        </p:spPr>
+        <p:txBody>
+          <a:bodyPr anchorCtr="0" anchor="t" bIns="91425" lIns="91425" spcFirstLastPara="1" rIns="91425" wrap="square" tIns="91425">
+            <a:noAutofit/>
+          </a:bodyPr>
+          <a:lstStyle/>
+          <a:p>
+            <a:pPr indent="0" lvl="0" marL="0" rtl="0" algn="l">
+              <a:spcBef>
+                <a:spcPts val="0"/>
+              </a:spcBef>
+              <a:spcAft>
+                <a:spcPts val="1600"/>
+              </a:spcAft>
+              <a:buNone/>
+            </a:pPr>
+            <a:r>
+              <a:t/>
+            </a:r>
+            <a:endParaRPr/>
+          </a:p>
+        </p:txBody>
+      </p:sp>
+      <p:pic>
+        <p:nvPicPr>
+          <p:cNvPr id="76" name="Google Shape;76;p16"/>
+          <p:cNvPicPr preferRelativeResize="0"/>
+          <p:nvPr/>
+        </p:nvPicPr>
+        <p:blipFill>
+          <a:blip r:embed="rId3">
+            <a:alphaModFix/>
+          </a:blip>
+          <a:stretch>
+            <a:fillRect/>
+          </a:stretch>
+        </p:blipFill>
+        <p:spPr>
+          <a:xfrm>
+            <a:off x="0" y="1255"/>
+            <a:ext cx="9144001" cy="5140990"/>
+          </a:xfrm>
+          <a:prstGeom prst="rect">
+            <a:avLst/>
+          </a:prstGeom>
+          <a:noFill/>
+          <a:ln>
+            <a:noFill/>
+          </a:ln>
+        </p:spPr>
+      </p:pic>
+    </p:spTree>
+  </p:cSld>
+  <p:clrMapOvr>
+    <a:masterClrMapping/>
+  </p:clrMapOvr>
+</p:sld>
+</file>
+
+<file path=ppt/slides/slide5.xml><?xml version="1.0" encoding="utf-8"?>
+<p:sld xmlns:a="http://schemas.openxmlformats.org/drawingml/2006/main" xmlns:r="http://schemas.openxmlformats.org/officeDocument/2006/relationships" xmlns:mc="http://schemas.openxmlformats.org/markup-compatibility/2006" xmlns:mv="urn:schemas-microsoft-com:mac:vml" xmlns:p="http://schemas.openxmlformats.org/presentationml/2006/main" xmlns:c="http://schemas.openxmlformats.org/drawingml/2006/chart" xmlns:dgm="http://schemas.openxmlformats.org/drawingml/2006/diagram" xmlns:o="urn:schemas-microsoft-com:office:office" xmlns:v="urn:schemas-microsoft-com:vml" xmlns:pvml="urn:schemas-microsoft-com:office:powerpoint" xmlns:com="http://schemas.openxmlformats.org/drawingml/2006/compatibility" xmlns:p14="http://schemas.microsoft.com/office/powerpoint/2010/main" xmlns:p15="http://schemas.microsoft.com/office/powerpoint/2012/main" xmlns:ahyp="http://schemas.microsoft.com/office/drawing/2018/hyperlinkcolor">
+  <p:cSld>
+    <p:spTree>
+      <p:nvGrpSpPr>
+        <p:cNvPr id="80" name="Shape 80"/>
+        <p:cNvGrpSpPr/>
+        <p:nvPr/>
+      </p:nvGrpSpPr>
+      <p:grpSpPr>
+        <a:xfrm>
+          <a:off x="0" y="0"/>
+          <a:ext cx="0" cy="0"/>
+          <a:chOff x="0" y="0"/>
+          <a:chExt cx="0" cy="0"/>
+        </a:xfrm>
+      </p:grpSpPr>
+      <p:sp>
+        <p:nvSpPr>
+          <p:cNvPr id="81" name="Google Shape;81;p17"/>
+          <p:cNvSpPr txBox="1"/>
+          <p:nvPr>
+            <p:ph type="title"/>
+          </p:nvPr>
+        </p:nvSpPr>
+        <p:spPr>
+          <a:xfrm>
+            <a:off x="311700" y="445025"/>
+            <a:ext cx="8520600" cy="572700"/>
+          </a:xfrm>
+          <a:prstGeom prst="rect">
+            <a:avLst/>
+          </a:prstGeom>
+        </p:spPr>
+        <p:txBody>
+          <a:bodyPr anchorCtr="0" anchor="t" bIns="91425" lIns="91425" spcFirstLastPara="1" rIns="91425" wrap="square" tIns="91425">
+            <a:noAutofit/>
+          </a:bodyPr>
+          <a:lstStyle/>
+          <a:p>
+            <a:pPr indent="0" lvl="0" marL="0" rtl="0" algn="l">
+              <a:spcBef>
+                <a:spcPts val="0"/>
+              </a:spcBef>
+              <a:spcAft>
+                <a:spcPts val="0"/>
+              </a:spcAft>
+              <a:buNone/>
+            </a:pPr>
+            <a:r>
+              <a:t/>
+            </a:r>
+            <a:endParaRPr/>
+          </a:p>
+        </p:txBody>
+      </p:sp>
+      <p:sp>
+        <p:nvSpPr>
+          <p:cNvPr id="82" name="Google Shape;82;p17"/>
+          <p:cNvSpPr txBox="1"/>
+          <p:nvPr>
+            <p:ph idx="1" type="body"/>
+          </p:nvPr>
+        </p:nvSpPr>
+        <p:spPr>
+          <a:xfrm>
+            <a:off x="311700" y="1152475"/>
+            <a:ext cx="8520600" cy="3416400"/>
+          </a:xfrm>
+          <a:prstGeom prst="rect">
+            <a:avLst/>
+          </a:prstGeom>
+        </p:spPr>
+        <p:txBody>
+          <a:bodyPr anchorCtr="0" anchor="t" bIns="91425" lIns="91425" spcFirstLastPara="1" rIns="91425" wrap="square" tIns="91425">
+            <a:noAutofit/>
+          </a:bodyPr>
+          <a:lstStyle/>
+          <a:p>
+            <a:pPr indent="0" lvl="0" marL="0" rtl="0" algn="l">
+              <a:spcBef>
+                <a:spcPts val="0"/>
+              </a:spcBef>
+              <a:spcAft>
+                <a:spcPts val="1600"/>
+              </a:spcAft>
+              <a:buNone/>
+            </a:pPr>
+            <a:r>
+              <a:t/>
+            </a:r>
+            <a:endParaRPr/>
+          </a:p>
+        </p:txBody>
+      </p:sp>
+      <p:pic>
+        <p:nvPicPr>
+          <p:cNvPr id="83" name="Google Shape;83;p17"/>
+          <p:cNvPicPr preferRelativeResize="0"/>
+          <p:nvPr/>
+        </p:nvPicPr>
+        <p:blipFill>
+          <a:blip r:embed="rId3">
+            <a:alphaModFix/>
+          </a:blip>
+          <a:stretch>
+            <a:fillRect/>
+          </a:stretch>
+        </p:blipFill>
+        <p:spPr>
+          <a:xfrm>
+            <a:off x="0" y="14450"/>
+            <a:ext cx="9144000" cy="5143500"/>
+          </a:xfrm>
+          <a:prstGeom prst="rect">
+            <a:avLst/>
+          </a:prstGeom>
+          <a:noFill/>
+          <a:ln>
+            <a:noFill/>
+          </a:ln>
+        </p:spPr>
+      </p:pic>
+    </p:spTree>
+  </p:cSld>
+  <p:clrMapOvr>
+    <a:masterClrMapping/>
+  </p:clrMapOvr>
+</p:sld>
+</file>
+
+<file path=ppt/slides/slide6.xml><?xml version="1.0" encoding="utf-8"?>
+<p:sld xmlns:a="http://schemas.openxmlformats.org/drawingml/2006/main" xmlns:r="http://schemas.openxmlformats.org/officeDocument/2006/relationships" xmlns:mc="http://schemas.openxmlformats.org/markup-compatibility/2006" xmlns:mv="urn:schemas-microsoft-com:mac:vml" xmlns:p="http://schemas.openxmlformats.org/presentationml/2006/main" xmlns:c="http://schemas.openxmlformats.org/drawingml/2006/chart" xmlns:dgm="http://schemas.openxmlformats.org/drawingml/2006/diagram" xmlns:o="urn:schemas-microsoft-com:office:office" xmlns:v="urn:schemas-microsoft-com:vml" xmlns:pvml="urn:schemas-microsoft-com:office:powerpoint" xmlns:com="http://schemas.openxmlformats.org/drawingml/2006/compatibility" xmlns:p14="http://schemas.microsoft.com/office/powerpoint/2010/main" xmlns:p15="http://schemas.microsoft.com/office/powerpoint/2012/main" xmlns:ahyp="http://schemas.microsoft.com/office/drawing/2018/hyperlinkcolor">
+  <p:cSld>
+    <p:spTree>
+      <p:nvGrpSpPr>
+        <p:cNvPr id="87" name="Shape 87"/>
+        <p:cNvGrpSpPr/>
+        <p:nvPr/>
+      </p:nvGrpSpPr>
+      <p:grpSpPr>
+        <a:xfrm>
+          <a:off x="0" y="0"/>
+          <a:ext cx="0" cy="0"/>
+          <a:chOff x="0" y="0"/>
+          <a:chExt cx="0" cy="0"/>
+        </a:xfrm>
+      </p:grpSpPr>
+      <p:sp>
+        <p:nvSpPr>
+          <p:cNvPr id="88" name="Google Shape;88;p18"/>
+          <p:cNvSpPr txBox="1"/>
+          <p:nvPr>
+            <p:ph type="title"/>
+          </p:nvPr>
+        </p:nvSpPr>
+        <p:spPr>
+          <a:xfrm>
+            <a:off x="311700" y="445025"/>
+            <a:ext cx="8520600" cy="572700"/>
+          </a:xfrm>
+          <a:prstGeom prst="rect">
+            <a:avLst/>
+          </a:prstGeom>
+        </p:spPr>
+        <p:txBody>
+          <a:bodyPr anchorCtr="0" anchor="t" bIns="91425" lIns="91425" spcFirstLastPara="1" rIns="91425" wrap="square" tIns="91425">
+            <a:noAutofit/>
+          </a:bodyPr>
+          <a:lstStyle/>
+          <a:p>
+            <a:pPr indent="0" lvl="0" marL="0" rtl="0" algn="l">
+              <a:spcBef>
+                <a:spcPts val="0"/>
+              </a:spcBef>
+              <a:spcAft>
+                <a:spcPts val="0"/>
+              </a:spcAft>
+              <a:buNone/>
+            </a:pPr>
+            <a:r>
+              <a:t/>
+            </a:r>
+            <a:endParaRPr/>
+          </a:p>
+        </p:txBody>
+      </p:sp>
+      <p:sp>
+        <p:nvSpPr>
+          <p:cNvPr id="89" name="Google Shape;89;p18"/>
+          <p:cNvSpPr txBox="1"/>
+          <p:nvPr>
+            <p:ph idx="1" type="body"/>
+          </p:nvPr>
+        </p:nvSpPr>
+        <p:spPr>
+          <a:xfrm>
+            <a:off x="311700" y="1152475"/>
+            <a:ext cx="8520600" cy="3416400"/>
+          </a:xfrm>
+          <a:prstGeom prst="rect">
+            <a:avLst/>
+          </a:prstGeom>
+        </p:spPr>
+        <p:txBody>
+          <a:bodyPr anchorCtr="0" anchor="t" bIns="91425" lIns="91425" spcFirstLastPara="1" rIns="91425" wrap="square" tIns="91425">
+            <a:noAutofit/>
+          </a:bodyPr>
+          <a:lstStyle/>
+          <a:p>
+            <a:pPr indent="0" lvl="0" marL="0" rtl="0" algn="l">
+              <a:spcBef>
+                <a:spcPts val="0"/>
+              </a:spcBef>
+              <a:spcAft>
+                <a:spcPts val="1600"/>
+              </a:spcAft>
+              <a:buNone/>
+            </a:pPr>
+            <a:r>
+              <a:t/>
+            </a:r>
+            <a:endParaRPr/>
+          </a:p>
+        </p:txBody>
+      </p:sp>
+      <p:pic>
+        <p:nvPicPr>
+          <p:cNvPr id="90" name="Google Shape;90;p18"/>
+          <p:cNvPicPr preferRelativeResize="0"/>
+          <p:nvPr/>
+        </p:nvPicPr>
+        <p:blipFill>
+          <a:blip r:embed="rId3">
+            <a:alphaModFix/>
+          </a:blip>
+          <a:stretch>
+            <a:fillRect/>
+          </a:stretch>
+        </p:blipFill>
+        <p:spPr>
+          <a:xfrm>
+            <a:off x="0" y="0"/>
+            <a:ext cx="9143999" cy="5143500"/>
+          </a:xfrm>
+          <a:prstGeom prst="rect">
+            <a:avLst/>
+          </a:prstGeom>
+          <a:noFill/>
+          <a:ln>
+            <a:noFill/>
+          </a:ln>
+        </p:spPr>
+      </p:pic>
+    </p:spTree>
+  </p:cSld>
+  <p:clrMapOvr>
+    <a:masterClrMapping/>
+  </p:clrMapOvr>
+</p:sld>
+</file>
+
 <file path=ppt/theme/theme1.xml><?xml version="1.0" encoding="utf-8"?>
 <a:theme xmlns:a="http://schemas.openxmlformats.org/drawingml/2006/main" xmlns:r="http://schemas.openxmlformats.org/officeDocument/2006/relationships">
   <a:themeElements>
